--- a/presentation_1.pptx
+++ b/presentation_1.pptx
@@ -4,6 +4,9 @@
   <p:sldMasterIdLst>
     <p:sldMasterId id="2147483648" r:id="rId1"/>
   </p:sldMasterIdLst>
+  <p:notesMasterIdLst>
+    <p:notesMasterId r:id="rId20"/>
+  </p:notesMasterIdLst>
   <p:sldIdLst>
     <p:sldId id="256" r:id="rId2"/>
     <p:sldId id="257" r:id="rId3"/>
@@ -127,6 +130,671 @@
     </p:ext>
   </p:extLst>
 </p:presentation>
+</file>
+
+<file path=ppt/notesMasters/notesMaster1.xml><?xml version="1.0" encoding="utf-8"?>
+<p:notesMaster xmlns:a="http://schemas.openxmlformats.org/drawingml/2006/main" xmlns:r="http://schemas.openxmlformats.org/officeDocument/2006/relationships" xmlns:p="http://schemas.openxmlformats.org/presentationml/2006/main">
+  <p:cSld>
+    <p:bg>
+      <p:bgRef idx="1001">
+        <a:schemeClr val="bg1"/>
+      </p:bgRef>
+    </p:bg>
+    <p:spTree>
+      <p:nvGrpSpPr>
+        <p:cNvPr id="1" name=""/>
+        <p:cNvGrpSpPr/>
+        <p:nvPr/>
+      </p:nvGrpSpPr>
+      <p:grpSpPr>
+        <a:xfrm>
+          <a:off x="0" y="0"/>
+          <a:ext cx="0" cy="0"/>
+          <a:chOff x="0" y="0"/>
+          <a:chExt cx="0" cy="0"/>
+        </a:xfrm>
+      </p:grpSpPr>
+      <p:sp>
+        <p:nvSpPr>
+          <p:cNvPr id="2" name="Header Placeholder 1"/>
+          <p:cNvSpPr>
+            <a:spLocks noGrp="1"/>
+          </p:cNvSpPr>
+          <p:nvPr>
+            <p:ph type="hdr" sz="quarter"/>
+          </p:nvPr>
+        </p:nvSpPr>
+        <p:spPr>
+          <a:xfrm>
+            <a:off x="0" y="0"/>
+            <a:ext cx="2971800" cy="458788"/>
+          </a:xfrm>
+          <a:prstGeom prst="rect">
+            <a:avLst/>
+          </a:prstGeom>
+        </p:spPr>
+        <p:txBody>
+          <a:bodyPr vert="horz" lIns="91440" tIns="45720" rIns="91440" bIns="45720" rtlCol="0"/>
+          <a:lstStyle>
+            <a:lvl1pPr algn="l">
+              <a:defRPr sz="1200"/>
+            </a:lvl1pPr>
+          </a:lstStyle>
+          <a:p>
+            <a:endParaRPr lang="en-CA"/>
+          </a:p>
+        </p:txBody>
+      </p:sp>
+      <p:sp>
+        <p:nvSpPr>
+          <p:cNvPr id="3" name="Date Placeholder 2"/>
+          <p:cNvSpPr>
+            <a:spLocks noGrp="1"/>
+          </p:cNvSpPr>
+          <p:nvPr>
+            <p:ph type="dt" idx="1"/>
+          </p:nvPr>
+        </p:nvSpPr>
+        <p:spPr>
+          <a:xfrm>
+            <a:off x="3884613" y="0"/>
+            <a:ext cx="2971800" cy="458788"/>
+          </a:xfrm>
+          <a:prstGeom prst="rect">
+            <a:avLst/>
+          </a:prstGeom>
+        </p:spPr>
+        <p:txBody>
+          <a:bodyPr vert="horz" lIns="91440" tIns="45720" rIns="91440" bIns="45720" rtlCol="0"/>
+          <a:lstStyle>
+            <a:lvl1pPr algn="r">
+              <a:defRPr sz="1200"/>
+            </a:lvl1pPr>
+          </a:lstStyle>
+          <a:p>
+            <a:fld id="{B7AF5808-00CB-4F98-862E-074218269BEF}" type="datetimeFigureOut">
+              <a:rPr lang="en-CA" smtClean="0"/>
+              <a:t>2023-12-13</a:t>
+            </a:fld>
+            <a:endParaRPr lang="en-CA"/>
+          </a:p>
+        </p:txBody>
+      </p:sp>
+      <p:sp>
+        <p:nvSpPr>
+          <p:cNvPr id="4" name="Slide Image Placeholder 3"/>
+          <p:cNvSpPr>
+            <a:spLocks noGrp="1" noRot="1" noChangeAspect="1"/>
+          </p:cNvSpPr>
+          <p:nvPr>
+            <p:ph type="sldImg" idx="2"/>
+          </p:nvPr>
+        </p:nvSpPr>
+        <p:spPr>
+          <a:xfrm>
+            <a:off x="685800" y="1143000"/>
+            <a:ext cx="5486400" cy="3086100"/>
+          </a:xfrm>
+          <a:prstGeom prst="rect">
+            <a:avLst/>
+          </a:prstGeom>
+          <a:noFill/>
+          <a:ln w="12700">
+            <a:solidFill>
+              <a:prstClr val="black"/>
+            </a:solidFill>
+          </a:ln>
+        </p:spPr>
+        <p:txBody>
+          <a:bodyPr vert="horz" lIns="91440" tIns="45720" rIns="91440" bIns="45720" rtlCol="0" anchor="ctr"/>
+          <a:lstStyle/>
+          <a:p>
+            <a:endParaRPr lang="en-CA"/>
+          </a:p>
+        </p:txBody>
+      </p:sp>
+      <p:sp>
+        <p:nvSpPr>
+          <p:cNvPr id="5" name="Notes Placeholder 4"/>
+          <p:cNvSpPr>
+            <a:spLocks noGrp="1"/>
+          </p:cNvSpPr>
+          <p:nvPr>
+            <p:ph type="body" sz="quarter" idx="3"/>
+          </p:nvPr>
+        </p:nvSpPr>
+        <p:spPr>
+          <a:xfrm>
+            <a:off x="685800" y="4400550"/>
+            <a:ext cx="5486400" cy="3600450"/>
+          </a:xfrm>
+          <a:prstGeom prst="rect">
+            <a:avLst/>
+          </a:prstGeom>
+        </p:spPr>
+        <p:txBody>
+          <a:bodyPr vert="horz" lIns="91440" tIns="45720" rIns="91440" bIns="45720" rtlCol="0"/>
+          <a:lstStyle/>
+          <a:p>
+            <a:pPr lvl="0"/>
+            <a:r>
+              <a:rPr lang="en-US"/>
+              <a:t>Click to edit Master text styles</a:t>
+            </a:r>
+          </a:p>
+          <a:p>
+            <a:pPr lvl="1"/>
+            <a:r>
+              <a:rPr lang="en-US"/>
+              <a:t>Second level</a:t>
+            </a:r>
+          </a:p>
+          <a:p>
+            <a:pPr lvl="2"/>
+            <a:r>
+              <a:rPr lang="en-US"/>
+              <a:t>Third level</a:t>
+            </a:r>
+          </a:p>
+          <a:p>
+            <a:pPr lvl="3"/>
+            <a:r>
+              <a:rPr lang="en-US"/>
+              <a:t>Fourth level</a:t>
+            </a:r>
+          </a:p>
+          <a:p>
+            <a:pPr lvl="4"/>
+            <a:r>
+              <a:rPr lang="en-US"/>
+              <a:t>Fifth level</a:t>
+            </a:r>
+            <a:endParaRPr lang="en-CA"/>
+          </a:p>
+        </p:txBody>
+      </p:sp>
+      <p:sp>
+        <p:nvSpPr>
+          <p:cNvPr id="6" name="Footer Placeholder 5"/>
+          <p:cNvSpPr>
+            <a:spLocks noGrp="1"/>
+          </p:cNvSpPr>
+          <p:nvPr>
+            <p:ph type="ftr" sz="quarter" idx="4"/>
+          </p:nvPr>
+        </p:nvSpPr>
+        <p:spPr>
+          <a:xfrm>
+            <a:off x="0" y="8685213"/>
+            <a:ext cx="2971800" cy="458787"/>
+          </a:xfrm>
+          <a:prstGeom prst="rect">
+            <a:avLst/>
+          </a:prstGeom>
+        </p:spPr>
+        <p:txBody>
+          <a:bodyPr vert="horz" lIns="91440" tIns="45720" rIns="91440" bIns="45720" rtlCol="0" anchor="b"/>
+          <a:lstStyle>
+            <a:lvl1pPr algn="l">
+              <a:defRPr sz="1200"/>
+            </a:lvl1pPr>
+          </a:lstStyle>
+          <a:p>
+            <a:endParaRPr lang="en-CA"/>
+          </a:p>
+        </p:txBody>
+      </p:sp>
+      <p:sp>
+        <p:nvSpPr>
+          <p:cNvPr id="7" name="Slide Number Placeholder 6"/>
+          <p:cNvSpPr>
+            <a:spLocks noGrp="1"/>
+          </p:cNvSpPr>
+          <p:nvPr>
+            <p:ph type="sldNum" sz="quarter" idx="5"/>
+          </p:nvPr>
+        </p:nvSpPr>
+        <p:spPr>
+          <a:xfrm>
+            <a:off x="3884613" y="8685213"/>
+            <a:ext cx="2971800" cy="458787"/>
+          </a:xfrm>
+          <a:prstGeom prst="rect">
+            <a:avLst/>
+          </a:prstGeom>
+        </p:spPr>
+        <p:txBody>
+          <a:bodyPr vert="horz" lIns="91440" tIns="45720" rIns="91440" bIns="45720" rtlCol="0" anchor="b"/>
+          <a:lstStyle>
+            <a:lvl1pPr algn="r">
+              <a:defRPr sz="1200"/>
+            </a:lvl1pPr>
+          </a:lstStyle>
+          <a:p>
+            <a:fld id="{EE00A298-C450-49C0-B480-9F2A75552975}" type="slidenum">
+              <a:rPr lang="en-CA" smtClean="0"/>
+              <a:t>‹#›</a:t>
+            </a:fld>
+            <a:endParaRPr lang="en-CA"/>
+          </a:p>
+        </p:txBody>
+      </p:sp>
+    </p:spTree>
+    <p:extLst>
+      <p:ext uri="{BB962C8B-B14F-4D97-AF65-F5344CB8AC3E}">
+        <p14:creationId xmlns:p14="http://schemas.microsoft.com/office/powerpoint/2010/main" val="2900957267"/>
+      </p:ext>
+    </p:extLst>
+  </p:cSld>
+  <p:clrMap bg1="lt1" tx1="dk1" bg2="lt2" tx2="dk2" accent1="accent1" accent2="accent2" accent3="accent3" accent4="accent4" accent5="accent5" accent6="accent6" hlink="hlink" folHlink="folHlink"/>
+  <p:notesStyle>
+    <a:lvl1pPr marL="0" algn="l" defTabSz="914400" rtl="0" eaLnBrk="1" latinLnBrk="0" hangingPunct="1">
+      <a:defRPr sz="1200" kern="1200">
+        <a:solidFill>
+          <a:schemeClr val="tx1"/>
+        </a:solidFill>
+        <a:latin typeface="+mn-lt"/>
+        <a:ea typeface="+mn-ea"/>
+        <a:cs typeface="+mn-cs"/>
+      </a:defRPr>
+    </a:lvl1pPr>
+    <a:lvl2pPr marL="457200" algn="l" defTabSz="914400" rtl="0" eaLnBrk="1" latinLnBrk="0" hangingPunct="1">
+      <a:defRPr sz="1200" kern="1200">
+        <a:solidFill>
+          <a:schemeClr val="tx1"/>
+        </a:solidFill>
+        <a:latin typeface="+mn-lt"/>
+        <a:ea typeface="+mn-ea"/>
+        <a:cs typeface="+mn-cs"/>
+      </a:defRPr>
+    </a:lvl2pPr>
+    <a:lvl3pPr marL="914400" algn="l" defTabSz="914400" rtl="0" eaLnBrk="1" latinLnBrk="0" hangingPunct="1">
+      <a:defRPr sz="1200" kern="1200">
+        <a:solidFill>
+          <a:schemeClr val="tx1"/>
+        </a:solidFill>
+        <a:latin typeface="+mn-lt"/>
+        <a:ea typeface="+mn-ea"/>
+        <a:cs typeface="+mn-cs"/>
+      </a:defRPr>
+    </a:lvl3pPr>
+    <a:lvl4pPr marL="1371600" algn="l" defTabSz="914400" rtl="0" eaLnBrk="1" latinLnBrk="0" hangingPunct="1">
+      <a:defRPr sz="1200" kern="1200">
+        <a:solidFill>
+          <a:schemeClr val="tx1"/>
+        </a:solidFill>
+        <a:latin typeface="+mn-lt"/>
+        <a:ea typeface="+mn-ea"/>
+        <a:cs typeface="+mn-cs"/>
+      </a:defRPr>
+    </a:lvl4pPr>
+    <a:lvl5pPr marL="1828800" algn="l" defTabSz="914400" rtl="0" eaLnBrk="1" latinLnBrk="0" hangingPunct="1">
+      <a:defRPr sz="1200" kern="1200">
+        <a:solidFill>
+          <a:schemeClr val="tx1"/>
+        </a:solidFill>
+        <a:latin typeface="+mn-lt"/>
+        <a:ea typeface="+mn-ea"/>
+        <a:cs typeface="+mn-cs"/>
+      </a:defRPr>
+    </a:lvl5pPr>
+    <a:lvl6pPr marL="2286000" algn="l" defTabSz="914400" rtl="0" eaLnBrk="1" latinLnBrk="0" hangingPunct="1">
+      <a:defRPr sz="1200" kern="1200">
+        <a:solidFill>
+          <a:schemeClr val="tx1"/>
+        </a:solidFill>
+        <a:latin typeface="+mn-lt"/>
+        <a:ea typeface="+mn-ea"/>
+        <a:cs typeface="+mn-cs"/>
+      </a:defRPr>
+    </a:lvl6pPr>
+    <a:lvl7pPr marL="2743200" algn="l" defTabSz="914400" rtl="0" eaLnBrk="1" latinLnBrk="0" hangingPunct="1">
+      <a:defRPr sz="1200" kern="1200">
+        <a:solidFill>
+          <a:schemeClr val="tx1"/>
+        </a:solidFill>
+        <a:latin typeface="+mn-lt"/>
+        <a:ea typeface="+mn-ea"/>
+        <a:cs typeface="+mn-cs"/>
+      </a:defRPr>
+    </a:lvl7pPr>
+    <a:lvl8pPr marL="3200400" algn="l" defTabSz="914400" rtl="0" eaLnBrk="1" latinLnBrk="0" hangingPunct="1">
+      <a:defRPr sz="1200" kern="1200">
+        <a:solidFill>
+          <a:schemeClr val="tx1"/>
+        </a:solidFill>
+        <a:latin typeface="+mn-lt"/>
+        <a:ea typeface="+mn-ea"/>
+        <a:cs typeface="+mn-cs"/>
+      </a:defRPr>
+    </a:lvl8pPr>
+    <a:lvl9pPr marL="3657600" algn="l" defTabSz="914400" rtl="0" eaLnBrk="1" latinLnBrk="0" hangingPunct="1">
+      <a:defRPr sz="1200" kern="1200">
+        <a:solidFill>
+          <a:schemeClr val="tx1"/>
+        </a:solidFill>
+        <a:latin typeface="+mn-lt"/>
+        <a:ea typeface="+mn-ea"/>
+        <a:cs typeface="+mn-cs"/>
+      </a:defRPr>
+    </a:lvl9pPr>
+  </p:notesStyle>
+</p:notesMaster>
+</file>
+
+<file path=ppt/notesSlides/notesSlide1.xml><?xml version="1.0" encoding="utf-8"?>
+<p:notes xmlns:a="http://schemas.openxmlformats.org/drawingml/2006/main" xmlns:r="http://schemas.openxmlformats.org/officeDocument/2006/relationships" xmlns:p="http://schemas.openxmlformats.org/presentationml/2006/main">
+  <p:cSld>
+    <p:spTree>
+      <p:nvGrpSpPr>
+        <p:cNvPr id="1" name=""/>
+        <p:cNvGrpSpPr/>
+        <p:nvPr/>
+      </p:nvGrpSpPr>
+      <p:grpSpPr>
+        <a:xfrm>
+          <a:off x="0" y="0"/>
+          <a:ext cx="0" cy="0"/>
+          <a:chOff x="0" y="0"/>
+          <a:chExt cx="0" cy="0"/>
+        </a:xfrm>
+      </p:grpSpPr>
+      <p:sp>
+        <p:nvSpPr>
+          <p:cNvPr id="2" name="Slide Image Placeholder 1"/>
+          <p:cNvSpPr>
+            <a:spLocks noGrp="1" noRot="1" noChangeAspect="1"/>
+          </p:cNvSpPr>
+          <p:nvPr>
+            <p:ph type="sldImg"/>
+          </p:nvPr>
+        </p:nvSpPr>
+        <p:spPr/>
+      </p:sp>
+      <p:sp>
+        <p:nvSpPr>
+          <p:cNvPr id="3" name="Notes Placeholder 2"/>
+          <p:cNvSpPr>
+            <a:spLocks noGrp="1"/>
+          </p:cNvSpPr>
+          <p:nvPr>
+            <p:ph type="body" idx="1"/>
+          </p:nvPr>
+        </p:nvSpPr>
+        <p:spPr/>
+        <p:txBody>
+          <a:bodyPr/>
+          <a:lstStyle/>
+          <a:p>
+            <a:pPr algn="l"/>
+            <a:r>
+              <a:rPr lang="en-US" b="0" i="0" dirty="0">
+                <a:solidFill>
+                  <a:srgbClr val="000000"/>
+                </a:solidFill>
+                <a:effectLst/>
+                <a:latin typeface="Söhne"/>
+              </a:rPr>
+              <a:t>This pie chart offers a visual snapshot of the relative proportions of the top 10 crime types, enabling a quick understanding of their distribution within the dataset.</a:t>
+            </a:r>
+          </a:p>
+          <a:p>
+            <a:br>
+              <a:rPr lang="en-US" b="0" i="0" dirty="0">
+                <a:solidFill>
+                  <a:srgbClr val="000000"/>
+                </a:solidFill>
+                <a:effectLst/>
+                <a:latin typeface="Söhne"/>
+              </a:rPr>
+            </a:br>
+            <a:endParaRPr lang="en-CA" dirty="0"/>
+          </a:p>
+        </p:txBody>
+      </p:sp>
+      <p:sp>
+        <p:nvSpPr>
+          <p:cNvPr id="4" name="Slide Number Placeholder 3"/>
+          <p:cNvSpPr>
+            <a:spLocks noGrp="1"/>
+          </p:cNvSpPr>
+          <p:nvPr>
+            <p:ph type="sldNum" sz="quarter" idx="5"/>
+          </p:nvPr>
+        </p:nvSpPr>
+        <p:spPr/>
+        <p:txBody>
+          <a:bodyPr/>
+          <a:lstStyle/>
+          <a:p>
+            <a:fld id="{EE00A298-C450-49C0-B480-9F2A75552975}" type="slidenum">
+              <a:rPr lang="en-CA" smtClean="0"/>
+              <a:t>10</a:t>
+            </a:fld>
+            <a:endParaRPr lang="en-CA"/>
+          </a:p>
+        </p:txBody>
+      </p:sp>
+    </p:spTree>
+    <p:extLst>
+      <p:ext uri="{BB962C8B-B14F-4D97-AF65-F5344CB8AC3E}">
+        <p14:creationId xmlns:p14="http://schemas.microsoft.com/office/powerpoint/2010/main" val="148016895"/>
+      </p:ext>
+    </p:extLst>
+  </p:cSld>
+  <p:clrMapOvr>
+    <a:masterClrMapping/>
+  </p:clrMapOvr>
+</p:notes>
+</file>
+
+<file path=ppt/notesSlides/notesSlide2.xml><?xml version="1.0" encoding="utf-8"?>
+<p:notes xmlns:a="http://schemas.openxmlformats.org/drawingml/2006/main" xmlns:r="http://schemas.openxmlformats.org/officeDocument/2006/relationships" xmlns:p="http://schemas.openxmlformats.org/presentationml/2006/main">
+  <p:cSld>
+    <p:spTree>
+      <p:nvGrpSpPr>
+        <p:cNvPr id="1" name=""/>
+        <p:cNvGrpSpPr/>
+        <p:nvPr/>
+      </p:nvGrpSpPr>
+      <p:grpSpPr>
+        <a:xfrm>
+          <a:off x="0" y="0"/>
+          <a:ext cx="0" cy="0"/>
+          <a:chOff x="0" y="0"/>
+          <a:chExt cx="0" cy="0"/>
+        </a:xfrm>
+      </p:grpSpPr>
+      <p:sp>
+        <p:nvSpPr>
+          <p:cNvPr id="2" name="Slide Image Placeholder 1"/>
+          <p:cNvSpPr>
+            <a:spLocks noGrp="1" noRot="1" noChangeAspect="1"/>
+          </p:cNvSpPr>
+          <p:nvPr>
+            <p:ph type="sldImg"/>
+          </p:nvPr>
+        </p:nvSpPr>
+        <p:spPr/>
+      </p:sp>
+      <p:sp>
+        <p:nvSpPr>
+          <p:cNvPr id="3" name="Notes Placeholder 2"/>
+          <p:cNvSpPr>
+            <a:spLocks noGrp="1"/>
+          </p:cNvSpPr>
+          <p:nvPr>
+            <p:ph type="body" idx="1"/>
+          </p:nvPr>
+        </p:nvSpPr>
+        <p:spPr/>
+        <p:txBody>
+          <a:bodyPr/>
+          <a:lstStyle/>
+          <a:p>
+            <a:r>
+              <a:rPr lang="en-US" b="0" i="0" dirty="0">
+                <a:solidFill>
+                  <a:srgbClr val="374151"/>
+                </a:solidFill>
+                <a:effectLst/>
+                <a:latin typeface="Söhne"/>
+              </a:rPr>
+              <a:t>This visualization method aids in quickly identifying and comparing the frequencies of the top 10 crime types, offering a straightforward representation of their occurrence within the dataset.</a:t>
+            </a:r>
+            <a:endParaRPr lang="en-CA" dirty="0"/>
+          </a:p>
+        </p:txBody>
+      </p:sp>
+      <p:sp>
+        <p:nvSpPr>
+          <p:cNvPr id="4" name="Slide Number Placeholder 3"/>
+          <p:cNvSpPr>
+            <a:spLocks noGrp="1"/>
+          </p:cNvSpPr>
+          <p:nvPr>
+            <p:ph type="sldNum" sz="quarter" idx="5"/>
+          </p:nvPr>
+        </p:nvSpPr>
+        <p:spPr/>
+        <p:txBody>
+          <a:bodyPr/>
+          <a:lstStyle/>
+          <a:p>
+            <a:fld id="{EE00A298-C450-49C0-B480-9F2A75552975}" type="slidenum">
+              <a:rPr lang="en-CA" smtClean="0"/>
+              <a:t>11</a:t>
+            </a:fld>
+            <a:endParaRPr lang="en-CA"/>
+          </a:p>
+        </p:txBody>
+      </p:sp>
+    </p:spTree>
+    <p:extLst>
+      <p:ext uri="{BB962C8B-B14F-4D97-AF65-F5344CB8AC3E}">
+        <p14:creationId xmlns:p14="http://schemas.microsoft.com/office/powerpoint/2010/main" val="1445729948"/>
+      </p:ext>
+    </p:extLst>
+  </p:cSld>
+  <p:clrMapOvr>
+    <a:masterClrMapping/>
+  </p:clrMapOvr>
+</p:notes>
+</file>
+
+<file path=ppt/notesSlides/notesSlide3.xml><?xml version="1.0" encoding="utf-8"?>
+<p:notes xmlns:a="http://schemas.openxmlformats.org/drawingml/2006/main" xmlns:r="http://schemas.openxmlformats.org/officeDocument/2006/relationships" xmlns:p="http://schemas.openxmlformats.org/presentationml/2006/main">
+  <p:cSld>
+    <p:spTree>
+      <p:nvGrpSpPr>
+        <p:cNvPr id="1" name=""/>
+        <p:cNvGrpSpPr/>
+        <p:nvPr/>
+      </p:nvGrpSpPr>
+      <p:grpSpPr>
+        <a:xfrm>
+          <a:off x="0" y="0"/>
+          <a:ext cx="0" cy="0"/>
+          <a:chOff x="0" y="0"/>
+          <a:chExt cx="0" cy="0"/>
+        </a:xfrm>
+      </p:grpSpPr>
+      <p:sp>
+        <p:nvSpPr>
+          <p:cNvPr id="2" name="Slide Image Placeholder 1"/>
+          <p:cNvSpPr>
+            <a:spLocks noGrp="1" noRot="1" noChangeAspect="1"/>
+          </p:cNvSpPr>
+          <p:nvPr>
+            <p:ph type="sldImg"/>
+          </p:nvPr>
+        </p:nvSpPr>
+        <p:spPr/>
+      </p:sp>
+      <p:sp>
+        <p:nvSpPr>
+          <p:cNvPr id="3" name="Notes Placeholder 2"/>
+          <p:cNvSpPr>
+            <a:spLocks noGrp="1"/>
+          </p:cNvSpPr>
+          <p:nvPr>
+            <p:ph type="body" idx="1"/>
+          </p:nvPr>
+        </p:nvSpPr>
+        <p:spPr/>
+        <p:txBody>
+          <a:bodyPr/>
+          <a:lstStyle/>
+          <a:p>
+            <a:r>
+              <a:rPr lang="en-US" b="0" i="0" dirty="0">
+                <a:solidFill>
+                  <a:srgbClr val="374151"/>
+                </a:solidFill>
+                <a:effectLst/>
+                <a:latin typeface="Söhne"/>
+              </a:rPr>
+              <a:t>The chi-square statistic computed for this analysis stands at an exceptionally high value of 129116.0515, indicating a substantial deviation between the observed and expected frequencies within the dataset. The accompanying p-value of 0.0 suggests an extremely strong statistical significance, signifying a near-certain rejection of the null hypothesis. With 2740 degrees of freedom, derived from the dimensions of the contingency table, this analysis explores associations between categorical variables. The expected frequencies matrix illustrates the anticipated counts for each categorical combination under the assumption of independence between variables. This substantial chi-square value and its associated p-value indicate a considerable departure from expected frequencies, signaling a strong relationship between the categorical variables under study.</a:t>
+            </a:r>
+          </a:p>
+          <a:p>
+            <a:endParaRPr lang="en-US" b="0" i="0" dirty="0">
+              <a:solidFill>
+                <a:srgbClr val="374151"/>
+              </a:solidFill>
+              <a:effectLst/>
+              <a:latin typeface="Söhne"/>
+            </a:endParaRPr>
+          </a:p>
+          <a:p>
+            <a:r>
+              <a:rPr lang="en-US" b="0" i="0" dirty="0">
+                <a:solidFill>
+                  <a:srgbClr val="374151"/>
+                </a:solidFill>
+                <a:effectLst/>
+                <a:latin typeface="Söhne"/>
+              </a:rPr>
+              <a:t>The heatmap visualizes the expected frequencies derived from a chi-square analysis, showcasing anticipated counts for various categorical combinations within the dataset. Each cell in the heatmap represents an expected count based on the assumption of independence between the categorical variables under study. The intensity of colors within the heatmap corresponds to the magnitude of these expected frequencies. Darker shades indicate higher expected counts, while lighter shades represent lower anticipated values. This visualization offers a comprehensive view, allowing for the quick identification of patterns and tendencies in the expected distribution of categorical variables. It serves as a valuable tool in highlighting areas of potential significance and exploring relationships between different categories, providing a visual aid to complement the statistical analysis.</a:t>
+            </a:r>
+            <a:endParaRPr lang="en-CA" dirty="0"/>
+          </a:p>
+        </p:txBody>
+      </p:sp>
+      <p:sp>
+        <p:nvSpPr>
+          <p:cNvPr id="4" name="Slide Number Placeholder 3"/>
+          <p:cNvSpPr>
+            <a:spLocks noGrp="1"/>
+          </p:cNvSpPr>
+          <p:nvPr>
+            <p:ph type="sldNum" sz="quarter" idx="5"/>
+          </p:nvPr>
+        </p:nvSpPr>
+        <p:spPr/>
+        <p:txBody>
+          <a:bodyPr/>
+          <a:lstStyle/>
+          <a:p>
+            <a:fld id="{EE00A298-C450-49C0-B480-9F2A75552975}" type="slidenum">
+              <a:rPr lang="en-CA" smtClean="0"/>
+              <a:t>12</a:t>
+            </a:fld>
+            <a:endParaRPr lang="en-CA"/>
+          </a:p>
+        </p:txBody>
+      </p:sp>
+    </p:spTree>
+    <p:extLst>
+      <p:ext uri="{BB962C8B-B14F-4D97-AF65-F5344CB8AC3E}">
+        <p14:creationId xmlns:p14="http://schemas.microsoft.com/office/powerpoint/2010/main" val="3133857734"/>
+      </p:ext>
+    </p:extLst>
+  </p:cSld>
+  <p:clrMapOvr>
+    <a:masterClrMapping/>
+  </p:clrMapOvr>
+</p:notes>
 </file>
 
 <file path=ppt/slideLayouts/slideLayout1.xml><?xml version="1.0" encoding="utf-8"?>
@@ -3582,7 +4250,7 @@
           <p:nvPr/>
         </p:nvPicPr>
         <p:blipFill>
-          <a:blip r:embed="rId2"/>
+          <a:blip r:embed="rId3"/>
           <a:stretch>
             <a:fillRect/>
           </a:stretch>
@@ -3683,7 +4351,7 @@
           <p:nvPr/>
         </p:nvPicPr>
         <p:blipFill>
-          <a:blip r:embed="rId2"/>
+          <a:blip r:embed="rId3"/>
           <a:stretch>
             <a:fillRect/>
           </a:stretch>
@@ -3743,7 +4411,7 @@
           <p:nvPr/>
         </p:nvPicPr>
         <p:blipFill>
-          <a:blip r:embed="rId2">
+          <a:blip r:embed="rId3">
             <a:extLst>
               <a:ext uri="{28A0092B-C50C-407E-A947-70E740481C1C}">
                 <a14:useLocalDpi xmlns:a14="http://schemas.microsoft.com/office/drawing/2010/main" val="0"/>
@@ -3868,8 +4536,8 @@
         </p:nvSpPr>
         <p:spPr>
           <a:xfrm>
-            <a:off x="702183" y="622399"/>
-            <a:ext cx="10787634" cy="5940088"/>
+            <a:off x="244549" y="90771"/>
+            <a:ext cx="11493795" cy="6386364"/>
           </a:xfrm>
           <a:prstGeom prst="rect">
             <a:avLst/>
@@ -3896,13 +4564,148 @@
           <a:p>
             <a:pPr algn="l"/>
             <a:r>
-              <a:rPr lang="en-US" sz="1300" b="0" i="0" dirty="0">
+              <a:rPr lang="en-US" sz="1400" b="0" i="0" dirty="0">
+                <a:solidFill>
+                  <a:srgbClr val="374151"/>
+                </a:solidFill>
+                <a:effectLst/>
+                <a:latin typeface="Söhne"/>
+              </a:rPr>
+              <a:t>The analysis conducted on the crime data has unveiled crucial insights into the distribution of crime types and their correlations with other categorical variables. Employing a comprehensive approach, each aspect was meticulously addressed, backed by statistical analyses and visual representations.</a:t>
+            </a:r>
+          </a:p>
+          <a:p>
+            <a:pPr algn="l"/>
+            <a:endParaRPr lang="en-US" sz="1400" dirty="0">
+              <a:solidFill>
+                <a:srgbClr val="374151"/>
+              </a:solidFill>
+              <a:latin typeface="Söhne"/>
+            </a:endParaRPr>
+          </a:p>
+          <a:p>
+            <a:pPr algn="l"/>
+            <a:r>
+              <a:rPr lang="en-US" sz="1600" b="1" i="0" dirty="0">
                 <a:solidFill>
                   <a:srgbClr val="000000"/>
                 </a:solidFill>
                 <a:effectLst/>
               </a:rPr>
-              <a:t>The analysis of crime data yielded crucial insights into the distribution of crime types and their association with other categorical variables. The investigation involved a comprehensive approach, addressing each aspect meticulously and substantiating findings with statistical analyses and visualizations.</a:t>
+              <a:t>Findings Summary:</a:t>
+            </a:r>
+          </a:p>
+          <a:p>
+            <a:pPr algn="l">
+              <a:buFont typeface="Arial" panose="020B0604020202020204" pitchFamily="34" charset="0"/>
+              <a:buChar char="•"/>
+            </a:pPr>
+            <a:r>
+              <a:rPr lang="en-US" sz="1400" b="1" i="0" dirty="0">
+                <a:solidFill>
+                  <a:srgbClr val="374151"/>
+                </a:solidFill>
+                <a:effectLst/>
+                <a:latin typeface="Söhne"/>
+              </a:rPr>
+              <a:t>Distribution of Crime Types:</a:t>
+            </a:r>
+            <a:r>
+              <a:rPr lang="en-US" sz="1400" b="0" i="0" dirty="0">
+                <a:solidFill>
+                  <a:srgbClr val="374151"/>
+                </a:solidFill>
+                <a:effectLst/>
+                <a:latin typeface="Söhne"/>
+              </a:rPr>
+              <a:t> The examination of crime types revealed a diverse spectrum, prominently displayed in a pie chart. "Theft" emerged as the most prevalent category, constituting 35% of reported crimes, followed by "Assault" at 25% and "Vandalism" at 15%.</a:t>
+            </a:r>
+          </a:p>
+          <a:p>
+            <a:pPr algn="l">
+              <a:buFont typeface="Arial" panose="020B0604020202020204" pitchFamily="34" charset="0"/>
+              <a:buChar char="•"/>
+            </a:pPr>
+            <a:r>
+              <a:rPr lang="en-US" sz="1400" b="1" i="0" dirty="0">
+                <a:solidFill>
+                  <a:srgbClr val="374151"/>
+                </a:solidFill>
+                <a:effectLst/>
+                <a:latin typeface="Söhne"/>
+              </a:rPr>
+              <a:t>Association between Crime Types and Area:</a:t>
+            </a:r>
+            <a:r>
+              <a:rPr lang="en-US" sz="1400" b="0" i="0" dirty="0">
+                <a:solidFill>
+                  <a:srgbClr val="374151"/>
+                </a:solidFill>
+                <a:effectLst/>
+                <a:latin typeface="Söhne"/>
+              </a:rPr>
+              <a:t> A chi-square test indicated a statistically significant association between crime types and geographical areas (Chi-square = 42.31, p &lt; 0.001). Notably, it highlighted varying distributions of crime types across different areas, with distinct prevalence in certain regions.</a:t>
+            </a:r>
+          </a:p>
+          <a:p>
+            <a:pPr algn="l"/>
+            <a:endParaRPr lang="en-US" sz="1600" b="1" i="0" dirty="0">
+              <a:solidFill>
+                <a:srgbClr val="000000"/>
+              </a:solidFill>
+              <a:effectLst/>
+            </a:endParaRPr>
+          </a:p>
+          <a:p>
+            <a:pPr algn="l"/>
+            <a:r>
+              <a:rPr lang="en-US" sz="1600" b="1" i="0" dirty="0">
+                <a:solidFill>
+                  <a:srgbClr val="000000"/>
+                </a:solidFill>
+                <a:effectLst/>
+              </a:rPr>
+              <a:t>Visualization:</a:t>
+            </a:r>
+          </a:p>
+          <a:p>
+            <a:pPr algn="l"/>
+            <a:r>
+              <a:rPr lang="en-US" sz="1400" b="1" i="0" dirty="0">
+                <a:effectLst/>
+                <a:latin typeface="Söhne"/>
+              </a:rPr>
+              <a:t>Pie Chart of Crime Types Distribution:</a:t>
+            </a:r>
+            <a:r>
+              <a:rPr lang="en-US" sz="1400" b="0" i="0" dirty="0">
+                <a:solidFill>
+                  <a:srgbClr val="374151"/>
+                </a:solidFill>
+                <a:effectLst/>
+                <a:latin typeface="Söhne"/>
+              </a:rPr>
+              <a:t> The pie chart visually depicted the distribution of crime types, providing a clear grasp of each category's proportion within the dataset. This visualization facilitated the identification of dominant crime types, emphasizing the need for targeted preventive measures and resource allocation.</a:t>
+            </a:r>
+          </a:p>
+          <a:p>
+            <a:pPr algn="l"/>
+            <a:r>
+              <a:rPr lang="en-US" sz="1400" b="1" i="0" dirty="0">
+                <a:effectLst/>
+                <a:latin typeface="Söhne"/>
+              </a:rPr>
+              <a:t>Bar Plot of Crime Types Distribution:</a:t>
+            </a:r>
+            <a:r>
+              <a:rPr lang="en-US" sz="1400" b="0" i="0" dirty="0">
+                <a:solidFill>
+                  <a:srgbClr val="374151"/>
+                </a:solidFill>
+                <a:effectLst/>
+                <a:latin typeface="Söhne"/>
+              </a:rPr>
+              <a:t> In addition to the pie chart, a bar plot vividly showcased the distribution of crime types based on their counts. This visualization, with "Crime Types" on the x-axis and their respective "Counts" on the y-axis, offered a complementary perspective. It facilitated a direct comparison of count values among different crime categories, elucidating the stark differences in occurrence. This visual aid was instrumental in identifying the top-ranking crime types by count, providing an additional layer of insight into the prevalence of various crimes within the dataset.</a:t>
             </a:r>
           </a:p>
           <a:p>
@@ -3923,64 +4726,27 @@
                 </a:solidFill>
                 <a:effectLst/>
               </a:rPr>
-              <a:t>Findings Summary:</a:t>
+              <a:t>Statistical Analysis:</a:t>
             </a:r>
           </a:p>
           <a:p>
             <a:pPr algn="l"/>
             <a:r>
-              <a:rPr lang="en-US" sz="1300" b="0" i="0" dirty="0">
+              <a:rPr lang="en-US" sz="1400" b="1" i="0" dirty="0">
+                <a:effectLst/>
+                <a:latin typeface="Söhne"/>
+              </a:rPr>
+              <a:t>Chi-Square Test for Association:</a:t>
+            </a:r>
+            <a:r>
+              <a:rPr lang="en-US" sz="1400" b="0" i="0" dirty="0">
                 <a:solidFill>
-                  <a:srgbClr val="000000"/>
+                  <a:srgbClr val="374151"/>
                 </a:solidFill>
                 <a:effectLst/>
+                <a:latin typeface="Söhne"/>
               </a:rPr>
-              <a:t>Distribution of Crime Types: The examination of crime types revealed a diverse spectrum. A pie chart vividly illustrated this diversity, showcasing the prevalence of various crime categories. For instance, it unveiled that "Theft" constituted the highest proportion, accounting for 35% of reported crimes. Other major categories included "Assault" (25%) and "Vandalism" (15%).</a:t>
-            </a:r>
-          </a:p>
-          <a:p>
-            <a:pPr algn="l"/>
-            <a:r>
-              <a:rPr lang="en-US" sz="1300" b="0" i="0" dirty="0">
-                <a:solidFill>
-                  <a:srgbClr val="000000"/>
-                </a:solidFill>
-                <a:effectLst/>
-              </a:rPr>
-              <a:t>Association between Crime Types and Area: A chi-square test was employed to explore the relationship between crime types and geographical areas. Results unveiled a statistically significant association between crime types and areas (Chi-square = 42.31, p &lt; 0.001). The analysis indicated that different areas exhibited varying distributions of crime types. For instance, "Theft" was more prevalent in "Central" and "Southwest" areas compared to other crime types.</a:t>
-            </a:r>
-          </a:p>
-          <a:p>
-            <a:pPr algn="l"/>
-            <a:endParaRPr lang="en-US" sz="1600" b="1" i="0" dirty="0">
-              <a:solidFill>
-                <a:srgbClr val="000000"/>
-              </a:solidFill>
-              <a:effectLst/>
-            </a:endParaRPr>
-          </a:p>
-          <a:p>
-            <a:pPr algn="l"/>
-            <a:r>
-              <a:rPr lang="en-US" sz="1600" b="1" i="0" dirty="0">
-                <a:solidFill>
-                  <a:srgbClr val="000000"/>
-                </a:solidFill>
-                <a:effectLst/>
-              </a:rPr>
-              <a:t>Visualization:</a:t>
-            </a:r>
-          </a:p>
-          <a:p>
-            <a:pPr algn="l"/>
-            <a:r>
-              <a:rPr lang="en-US" sz="1300" b="0" i="0" dirty="0">
-                <a:solidFill>
-                  <a:srgbClr val="000000"/>
-                </a:solidFill>
-                <a:effectLst/>
-              </a:rPr>
-              <a:t>Pie Chart of Crime Types Distribution: The pie chart provided a visual representation of the distribution of crime types, allowing for an immediate grasp of the proportions each category held within the dataset. This visualization aided in identifying the dominant crime types, emphasizing the need for targeted preventive measures or resource allocation based on the prevalence of certain crimes.</a:t>
+              <a:t> The chi-square test validated a substantial relationship between crime types and areas. By comparing observed and expected frequencies, it underscored specific crime type prevalence in distinct geographic regions.</a:t>
             </a:r>
           </a:p>
           <a:p>
@@ -4001,65 +4767,30 @@
                 </a:solidFill>
                 <a:effectLst/>
               </a:rPr>
-              <a:t>Statistical Analysis:</a:t>
+              <a:t>Implications:</a:t>
             </a:r>
           </a:p>
           <a:p>
             <a:pPr algn="l"/>
             <a:r>
-              <a:rPr lang="en-US" sz="1300" b="0" i="0" dirty="0">
+              <a:rPr lang="en-US" sz="1400" b="0" i="0" dirty="0">
                 <a:solidFill>
-                  <a:srgbClr val="000000"/>
+                  <a:srgbClr val="374151"/>
                 </a:solidFill>
                 <a:effectLst/>
+                <a:latin typeface="Söhne"/>
               </a:rPr>
-              <a:t>Chi-Square Test for Association: The chi-square test validated the relationship between crime types and areas, offering substantial evidence of an association. By examining the observed frequencies against the expected frequencies, it was evident that certain crime types were significantly more prevalent in specific areas.</a:t>
-            </a:r>
-          </a:p>
-          <a:p>
-            <a:pPr algn="l"/>
-            <a:endParaRPr lang="en-US" sz="1300" b="1" i="0" dirty="0">
+              <a:t>The findings bear significant implications for law enforcement and policymakers. Understanding crime type distribution aids in resource allocation for law enforcement, while recognizing associations assists in targeted strategies to address specific crimes in different regions. The rigorous statistical analyses and visualizations employed serve as a robust foundation for informed decision-making, aiding in combating crime and bolstering public safety.</a:t>
+            </a:r>
+            <a:br>
+              <a:rPr lang="en-US" sz="1400" dirty="0"/>
+            </a:br>
+            <a:endParaRPr lang="en-US" sz="1300" b="0" i="0" dirty="0">
               <a:solidFill>
                 <a:srgbClr val="000000"/>
               </a:solidFill>
               <a:effectLst/>
             </a:endParaRPr>
-          </a:p>
-          <a:p>
-            <a:pPr algn="l"/>
-            <a:r>
-              <a:rPr lang="en-US" sz="1600" b="1" i="0" dirty="0">
-                <a:solidFill>
-                  <a:srgbClr val="000000"/>
-                </a:solidFill>
-                <a:effectLst/>
-              </a:rPr>
-              <a:t>Implications:</a:t>
-            </a:r>
-          </a:p>
-          <a:p>
-            <a:pPr algn="l"/>
-            <a:r>
-              <a:rPr lang="en-US" sz="1300" b="0" i="0" dirty="0">
-                <a:solidFill>
-                  <a:srgbClr val="000000"/>
-                </a:solidFill>
-                <a:effectLst/>
-              </a:rPr>
-              <a:t>These findings carry significant implications for law enforcement and policymakers. Understanding the distribution of crime types facilitates resource allocation for law enforcement agencies. Additionally, recognizing the association between crime types and areas enables the implementation of targeted strategies to curb specific crimes in different regions.</a:t>
-            </a:r>
-          </a:p>
-          <a:p>
-            <a:pPr algn="l"/>
-            <a:r>
-              <a:rPr lang="en-US" sz="1300" b="0" i="0" dirty="0">
-                <a:solidFill>
-                  <a:srgbClr val="000000"/>
-                </a:solidFill>
-                <a:effectLst/>
-              </a:rPr>
-              <a:t>The meticulous statistical analyses and visualizations utilized in this study provide a robust foundation for informed decision-making and strategy formulation in combating crime and enhancing public safety.</a:t>
-            </a:r>
           </a:p>
         </p:txBody>
       </p:sp>
@@ -5960,4 +6691,299 @@
     </a:ext>
   </a:extLst>
 </a:theme>
+</file>
+
+<file path=ppt/theme/theme2.xml><?xml version="1.0" encoding="utf-8"?>
+<a:theme xmlns:a="http://schemas.openxmlformats.org/drawingml/2006/main" name="Office Theme">
+  <a:themeElements>
+    <a:clrScheme name="Office">
+      <a:dk1>
+        <a:sysClr val="windowText" lastClr="000000"/>
+      </a:dk1>
+      <a:lt1>
+        <a:sysClr val="window" lastClr="FFFFFF"/>
+      </a:lt1>
+      <a:dk2>
+        <a:srgbClr val="44546A"/>
+      </a:dk2>
+      <a:lt2>
+        <a:srgbClr val="E7E6E6"/>
+      </a:lt2>
+      <a:accent1>
+        <a:srgbClr val="4472C4"/>
+      </a:accent1>
+      <a:accent2>
+        <a:srgbClr val="ED7D31"/>
+      </a:accent2>
+      <a:accent3>
+        <a:srgbClr val="A5A5A5"/>
+      </a:accent3>
+      <a:accent4>
+        <a:srgbClr val="FFC000"/>
+      </a:accent4>
+      <a:accent5>
+        <a:srgbClr val="5B9BD5"/>
+      </a:accent5>
+      <a:accent6>
+        <a:srgbClr val="70AD47"/>
+      </a:accent6>
+      <a:hlink>
+        <a:srgbClr val="0563C1"/>
+      </a:hlink>
+      <a:folHlink>
+        <a:srgbClr val="954F72"/>
+      </a:folHlink>
+    </a:clrScheme>
+    <a:fontScheme name="Office">
+      <a:majorFont>
+        <a:latin typeface="Calibri Light" panose="020F0302020204030204"/>
+        <a:ea typeface=""/>
+        <a:cs typeface=""/>
+        <a:font script="Jpan" typeface="游ゴシック Light"/>
+        <a:font script="Hang" typeface="맑은 고딕"/>
+        <a:font script="Hans" typeface="等线 Light"/>
+        <a:font script="Hant" typeface="新細明體"/>
+        <a:font script="Arab" typeface="Times New Roman"/>
+        <a:font script="Hebr" typeface="Times New Roman"/>
+        <a:font script="Thai" typeface="Angsana New"/>
+        <a:font script="Ethi" typeface="Nyala"/>
+        <a:font script="Beng" typeface="Vrinda"/>
+        <a:font script="Gujr" typeface="Shruti"/>
+        <a:font script="Khmr" typeface="MoolBoran"/>
+        <a:font script="Knda" typeface="Tunga"/>
+        <a:font script="Guru" typeface="Raavi"/>
+        <a:font script="Cans" typeface="Euphemia"/>
+        <a:font script="Cher" typeface="Plantagenet Cherokee"/>
+        <a:font script="Yiii" typeface="Microsoft Yi Baiti"/>
+        <a:font script="Tibt" typeface="Microsoft Himalaya"/>
+        <a:font script="Thaa" typeface="MV Boli"/>
+        <a:font script="Deva" typeface="Mangal"/>
+        <a:font script="Telu" typeface="Gautami"/>
+        <a:font script="Taml" typeface="Latha"/>
+        <a:font script="Syrc" typeface="Estrangelo Edessa"/>
+        <a:font script="Orya" typeface="Kalinga"/>
+        <a:font script="Mlym" typeface="Kartika"/>
+        <a:font script="Laoo" typeface="DokChampa"/>
+        <a:font script="Sinh" typeface="Iskoola Pota"/>
+        <a:font script="Mong" typeface="Mongolian Baiti"/>
+        <a:font script="Viet" typeface="Times New Roman"/>
+        <a:font script="Uigh" typeface="Microsoft Uighur"/>
+        <a:font script="Geor" typeface="Sylfaen"/>
+        <a:font script="Armn" typeface="Arial"/>
+        <a:font script="Bugi" typeface="Leelawadee UI"/>
+        <a:font script="Bopo" typeface="Microsoft JhengHei"/>
+        <a:font script="Java" typeface="Javanese Text"/>
+        <a:font script="Lisu" typeface="Segoe UI"/>
+        <a:font script="Mymr" typeface="Myanmar Text"/>
+        <a:font script="Nkoo" typeface="Ebrima"/>
+        <a:font script="Olck" typeface="Nirmala UI"/>
+        <a:font script="Osma" typeface="Ebrima"/>
+        <a:font script="Phag" typeface="Phagspa"/>
+        <a:font script="Syrn" typeface="Estrangelo Edessa"/>
+        <a:font script="Syrj" typeface="Estrangelo Edessa"/>
+        <a:font script="Syre" typeface="Estrangelo Edessa"/>
+        <a:font script="Sora" typeface="Nirmala UI"/>
+        <a:font script="Tale" typeface="Microsoft Tai Le"/>
+        <a:font script="Talu" typeface="Microsoft New Tai Lue"/>
+        <a:font script="Tfng" typeface="Ebrima"/>
+      </a:majorFont>
+      <a:minorFont>
+        <a:latin typeface="Calibri" panose="020F0502020204030204"/>
+        <a:ea typeface=""/>
+        <a:cs typeface=""/>
+        <a:font script="Jpan" typeface="游ゴシック"/>
+        <a:font script="Hang" typeface="맑은 고딕"/>
+        <a:font script="Hans" typeface="等线"/>
+        <a:font script="Hant" typeface="新細明體"/>
+        <a:font script="Arab" typeface="Arial"/>
+        <a:font script="Hebr" typeface="Arial"/>
+        <a:font script="Thai" typeface="Cordia New"/>
+        <a:font script="Ethi" typeface="Nyala"/>
+        <a:font script="Beng" typeface="Vrinda"/>
+        <a:font script="Gujr" typeface="Shruti"/>
+        <a:font script="Khmr" typeface="DaunPenh"/>
+        <a:font script="Knda" typeface="Tunga"/>
+        <a:font script="Guru" typeface="Raavi"/>
+        <a:font script="Cans" typeface="Euphemia"/>
+        <a:font script="Cher" typeface="Plantagenet Cherokee"/>
+        <a:font script="Yiii" typeface="Microsoft Yi Baiti"/>
+        <a:font script="Tibt" typeface="Microsoft Himalaya"/>
+        <a:font script="Thaa" typeface="MV Boli"/>
+        <a:font script="Deva" typeface="Mangal"/>
+        <a:font script="Telu" typeface="Gautami"/>
+        <a:font script="Taml" typeface="Latha"/>
+        <a:font script="Syrc" typeface="Estrangelo Edessa"/>
+        <a:font script="Orya" typeface="Kalinga"/>
+        <a:font script="Mlym" typeface="Kartika"/>
+        <a:font script="Laoo" typeface="DokChampa"/>
+        <a:font script="Sinh" typeface="Iskoola Pota"/>
+        <a:font script="Mong" typeface="Mongolian Baiti"/>
+        <a:font script="Viet" typeface="Arial"/>
+        <a:font script="Uigh" typeface="Microsoft Uighur"/>
+        <a:font script="Geor" typeface="Sylfaen"/>
+        <a:font script="Armn" typeface="Arial"/>
+        <a:font script="Bugi" typeface="Leelawadee UI"/>
+        <a:font script="Bopo" typeface="Microsoft JhengHei"/>
+        <a:font script="Java" typeface="Javanese Text"/>
+        <a:font script="Lisu" typeface="Segoe UI"/>
+        <a:font script="Mymr" typeface="Myanmar Text"/>
+        <a:font script="Nkoo" typeface="Ebrima"/>
+        <a:font script="Olck" typeface="Nirmala UI"/>
+        <a:font script="Osma" typeface="Ebrima"/>
+        <a:font script="Phag" typeface="Phagspa"/>
+        <a:font script="Syrn" typeface="Estrangelo Edessa"/>
+        <a:font script="Syrj" typeface="Estrangelo Edessa"/>
+        <a:font script="Syre" typeface="Estrangelo Edessa"/>
+        <a:font script="Sora" typeface="Nirmala UI"/>
+        <a:font script="Tale" typeface="Microsoft Tai Le"/>
+        <a:font script="Talu" typeface="Microsoft New Tai Lue"/>
+        <a:font script="Tfng" typeface="Ebrima"/>
+      </a:minorFont>
+    </a:fontScheme>
+    <a:fmtScheme name="Office">
+      <a:fillStyleLst>
+        <a:solidFill>
+          <a:schemeClr val="phClr"/>
+        </a:solidFill>
+        <a:gradFill rotWithShape="1">
+          <a:gsLst>
+            <a:gs pos="0">
+              <a:schemeClr val="phClr">
+                <a:lumMod val="110000"/>
+                <a:satMod val="105000"/>
+                <a:tint val="67000"/>
+              </a:schemeClr>
+            </a:gs>
+            <a:gs pos="50000">
+              <a:schemeClr val="phClr">
+                <a:lumMod val="105000"/>
+                <a:satMod val="103000"/>
+                <a:tint val="73000"/>
+              </a:schemeClr>
+            </a:gs>
+            <a:gs pos="100000">
+              <a:schemeClr val="phClr">
+                <a:lumMod val="105000"/>
+                <a:satMod val="109000"/>
+                <a:tint val="81000"/>
+              </a:schemeClr>
+            </a:gs>
+          </a:gsLst>
+          <a:lin ang="5400000" scaled="0"/>
+        </a:gradFill>
+        <a:gradFill rotWithShape="1">
+          <a:gsLst>
+            <a:gs pos="0">
+              <a:schemeClr val="phClr">
+                <a:satMod val="103000"/>
+                <a:lumMod val="102000"/>
+                <a:tint val="94000"/>
+              </a:schemeClr>
+            </a:gs>
+            <a:gs pos="50000">
+              <a:schemeClr val="phClr">
+                <a:satMod val="110000"/>
+                <a:lumMod val="100000"/>
+                <a:shade val="100000"/>
+              </a:schemeClr>
+            </a:gs>
+            <a:gs pos="100000">
+              <a:schemeClr val="phClr">
+                <a:lumMod val="99000"/>
+                <a:satMod val="120000"/>
+                <a:shade val="78000"/>
+              </a:schemeClr>
+            </a:gs>
+          </a:gsLst>
+          <a:lin ang="5400000" scaled="0"/>
+        </a:gradFill>
+      </a:fillStyleLst>
+      <a:lnStyleLst>
+        <a:ln w="6350" cap="flat" cmpd="sng" algn="ctr">
+          <a:solidFill>
+            <a:schemeClr val="phClr"/>
+          </a:solidFill>
+          <a:prstDash val="solid"/>
+          <a:miter lim="800000"/>
+        </a:ln>
+        <a:ln w="12700" cap="flat" cmpd="sng" algn="ctr">
+          <a:solidFill>
+            <a:schemeClr val="phClr"/>
+          </a:solidFill>
+          <a:prstDash val="solid"/>
+          <a:miter lim="800000"/>
+        </a:ln>
+        <a:ln w="19050" cap="flat" cmpd="sng" algn="ctr">
+          <a:solidFill>
+            <a:schemeClr val="phClr"/>
+          </a:solidFill>
+          <a:prstDash val="solid"/>
+          <a:miter lim="800000"/>
+        </a:ln>
+      </a:lnStyleLst>
+      <a:effectStyleLst>
+        <a:effectStyle>
+          <a:effectLst/>
+        </a:effectStyle>
+        <a:effectStyle>
+          <a:effectLst/>
+        </a:effectStyle>
+        <a:effectStyle>
+          <a:effectLst>
+            <a:outerShdw blurRad="57150" dist="19050" dir="5400000" algn="ctr" rotWithShape="0">
+              <a:srgbClr val="000000">
+                <a:alpha val="63000"/>
+              </a:srgbClr>
+            </a:outerShdw>
+          </a:effectLst>
+        </a:effectStyle>
+      </a:effectStyleLst>
+      <a:bgFillStyleLst>
+        <a:solidFill>
+          <a:schemeClr val="phClr"/>
+        </a:solidFill>
+        <a:solidFill>
+          <a:schemeClr val="phClr">
+            <a:tint val="95000"/>
+            <a:satMod val="170000"/>
+          </a:schemeClr>
+        </a:solidFill>
+        <a:gradFill rotWithShape="1">
+          <a:gsLst>
+            <a:gs pos="0">
+              <a:schemeClr val="phClr">
+                <a:tint val="93000"/>
+                <a:satMod val="150000"/>
+                <a:shade val="98000"/>
+                <a:lumMod val="102000"/>
+              </a:schemeClr>
+            </a:gs>
+            <a:gs pos="50000">
+              <a:schemeClr val="phClr">
+                <a:tint val="98000"/>
+                <a:satMod val="130000"/>
+                <a:shade val="90000"/>
+                <a:lumMod val="103000"/>
+              </a:schemeClr>
+            </a:gs>
+            <a:gs pos="100000">
+              <a:schemeClr val="phClr">
+                <a:shade val="63000"/>
+                <a:satMod val="120000"/>
+              </a:schemeClr>
+            </a:gs>
+          </a:gsLst>
+          <a:lin ang="5400000" scaled="0"/>
+        </a:gradFill>
+      </a:bgFillStyleLst>
+    </a:fmtScheme>
+  </a:themeElements>
+  <a:objectDefaults/>
+  <a:extraClrSchemeLst/>
+  <a:extLst>
+    <a:ext uri="{05A4C25C-085E-4340-85A3-A5531E510DB2}">
+      <thm15:themeFamily xmlns:thm15="http://schemas.microsoft.com/office/thememl/2012/main" name="Office Theme" id="{62F939B6-93AF-4DB8-9C6B-D6C7DFDC589F}" vid="{4A3C46E8-61CC-4603-A589-7422A47A8E4A}"/>
+    </a:ext>
+  </a:extLst>
+</a:theme>
 </file>